--- a/Quality_Control_Chart_Classification_2.pptx
+++ b/Quality_Control_Chart_Classification_2.pptx
@@ -6,17 +6,18 @@
   </p:sldMasterIdLst>
   <p:sldIdLst>
     <p:sldId id="256" r:id="rId2"/>
-    <p:sldId id="257" r:id="rId3"/>
-    <p:sldId id="258" r:id="rId4"/>
-    <p:sldId id="259" r:id="rId5"/>
-    <p:sldId id="260" r:id="rId6"/>
-    <p:sldId id="261" r:id="rId7"/>
-    <p:sldId id="262" r:id="rId8"/>
-    <p:sldId id="263" r:id="rId9"/>
-    <p:sldId id="264" r:id="rId10"/>
-    <p:sldId id="265" r:id="rId11"/>
+    <p:sldId id="276" r:id="rId3"/>
+    <p:sldId id="257" r:id="rId4"/>
+    <p:sldId id="258" r:id="rId5"/>
+    <p:sldId id="259" r:id="rId6"/>
+    <p:sldId id="260" r:id="rId7"/>
+    <p:sldId id="261" r:id="rId8"/>
+    <p:sldId id="262" r:id="rId9"/>
+    <p:sldId id="263" r:id="rId10"/>
+    <p:sldId id="264" r:id="rId11"/>
     <p:sldId id="266" r:id="rId12"/>
-    <p:sldId id="275" r:id="rId13"/>
+    <p:sldId id="270" r:id="rId13"/>
+    <p:sldId id="275" r:id="rId14"/>
   </p:sldIdLst>
   <p:sldSz cx="12192000" cy="6858000"/>
   <p:notesSz cx="6858000" cy="9144000"/>
@@ -3378,21 +3379,14 @@
             </a:br>
             <a:r>
               <a:rPr lang="en-US" dirty="0"/>
-              <a:t>By </a:t>
+              <a:t>by </a:t>
             </a:r>
             <a:br>
               <a:rPr lang="en-US" dirty="0"/>
             </a:br>
             <a:r>
               <a:rPr lang="en-US" dirty="0"/>
-              <a:t>Dwan </a:t>
-            </a:r>
-            <a:br>
-              <a:rPr lang="en-US" dirty="0"/>
-            </a:br>
-            <a:r>
-              <a:rPr lang="en-US" dirty="0"/>
-              <a:t>Kelley</a:t>
+              <a:t>Dwan Kelley</a:t>
             </a:r>
           </a:p>
         </p:txBody>
@@ -3432,7 +3426,7 @@
           <p:cNvPr id="2" name="Title 1">
             <a:extLst>
               <a:ext uri="{FF2B5EF4-FFF2-40B4-BE49-F238E27FC236}">
-                <a16:creationId xmlns:a16="http://schemas.microsoft.com/office/drawing/2014/main" id="{09BAB455-FB7E-4D7D-8542-09FB54B82A23}"/>
+                <a16:creationId xmlns:a16="http://schemas.microsoft.com/office/drawing/2014/main" id="{4843BFBD-15A1-47EB-BC14-C85F5196BFED}"/>
               </a:ext>
             </a:extLst>
           </p:cNvPr>
@@ -3448,7 +3442,10 @@
           <a:bodyPr/>
           <a:lstStyle/>
           <a:p>
-            <a:endParaRPr lang="en-US"/>
+            <a:r>
+              <a:rPr lang="en-US" dirty="0"/>
+              <a:t>STG Score</a:t>
+            </a:r>
           </a:p>
         </p:txBody>
       </p:sp>
@@ -3457,7 +3454,7 @@
           <p:cNvPr id="6" name="Content Placeholder 5">
             <a:extLst>
               <a:ext uri="{FF2B5EF4-FFF2-40B4-BE49-F238E27FC236}">
-                <a16:creationId xmlns:a16="http://schemas.microsoft.com/office/drawing/2014/main" id="{C4D87032-BB22-4961-8C9A-FD210EFC0225}"/>
+                <a16:creationId xmlns:a16="http://schemas.microsoft.com/office/drawing/2014/main" id="{87B9D169-C0B1-4E04-9543-3DB9D77E104C}"/>
               </a:ext>
             </a:extLst>
           </p:cNvPr>
@@ -3476,8 +3473,8 @@
         </p:blipFill>
         <p:spPr>
           <a:xfrm>
-            <a:off x="5183188" y="3170875"/>
-            <a:ext cx="6172200" cy="506725"/>
+            <a:off x="5180012" y="1339090"/>
+            <a:ext cx="6172200" cy="4179819"/>
           </a:xfrm>
         </p:spPr>
       </p:pic>
@@ -3486,7 +3483,7 @@
           <p:cNvPr id="4" name="Text Placeholder 3">
             <a:extLst>
               <a:ext uri="{FF2B5EF4-FFF2-40B4-BE49-F238E27FC236}">
-                <a16:creationId xmlns:a16="http://schemas.microsoft.com/office/drawing/2014/main" id="{75363F73-C0F9-4B6E-9348-6993CE7BE9E8}"/>
+                <a16:creationId xmlns:a16="http://schemas.microsoft.com/office/drawing/2014/main" id="{52B73454-5518-4952-B3A7-02262B1D621B}"/>
               </a:ext>
             </a:extLst>
           </p:cNvPr>
@@ -3502,14 +3499,47 @@
           <a:bodyPr/>
           <a:lstStyle/>
           <a:p>
-            <a:endParaRPr lang="en-US" dirty="0"/>
-          </a:p>
-        </p:txBody>
-      </p:sp>
+            <a:r>
+              <a:rPr lang="en-US" dirty="0"/>
+              <a:t>Performs at 92 percent accuracy</a:t>
+            </a:r>
+          </a:p>
+        </p:txBody>
+      </p:sp>
+      <p:pic>
+        <p:nvPicPr>
+          <p:cNvPr id="3" name="Picture 2">
+            <a:extLst>
+              <a:ext uri="{FF2B5EF4-FFF2-40B4-BE49-F238E27FC236}">
+                <a16:creationId xmlns:a16="http://schemas.microsoft.com/office/drawing/2014/main" id="{79CE50D5-6C1D-4665-93E7-55FBC85338C1}"/>
+              </a:ext>
+            </a:extLst>
+          </p:cNvPr>
+          <p:cNvPicPr>
+            <a:picLocks noChangeAspect="1"/>
+          </p:cNvPicPr>
+          <p:nvPr/>
+        </p:nvPicPr>
+        <p:blipFill>
+          <a:blip r:embed="rId3"/>
+          <a:stretch>
+            <a:fillRect/>
+          </a:stretch>
+        </p:blipFill>
+        <p:spPr>
+          <a:xfrm>
+            <a:off x="5176429" y="5615982"/>
+            <a:ext cx="6175783" cy="506012"/>
+          </a:xfrm>
+          <a:prstGeom prst="rect">
+            <a:avLst/>
+          </a:prstGeom>
+        </p:spPr>
+      </p:pic>
     </p:spTree>
     <p:extLst>
       <p:ext uri="{BB962C8B-B14F-4D97-AF65-F5344CB8AC3E}">
-        <p14:creationId xmlns:p14="http://schemas.microsoft.com/office/powerpoint/2010/main" val="3013479346"/>
+        <p14:creationId xmlns:p14="http://schemas.microsoft.com/office/powerpoint/2010/main" val="1880739861"/>
       </p:ext>
     </p:extLst>
   </p:cSld>
@@ -3614,7 +3644,10 @@
           <a:bodyPr/>
           <a:lstStyle/>
           <a:p>
-            <a:endParaRPr lang="en-US" dirty="0"/>
+            <a:r>
+              <a:rPr lang="en-US" dirty="0"/>
+              <a:t>Performs at 98.9 percent accuracy</a:t>
+            </a:r>
           </a:p>
         </p:txBody>
       </p:sp>
@@ -3653,6 +3686,143 @@
           <p:cNvPr id="2" name="Title 1">
             <a:extLst>
               <a:ext uri="{FF2B5EF4-FFF2-40B4-BE49-F238E27FC236}">
+                <a16:creationId xmlns:a16="http://schemas.microsoft.com/office/drawing/2014/main" id="{7BEBDD0C-BC2E-4618-AFE7-20CC5044043D}"/>
+              </a:ext>
+            </a:extLst>
+          </p:cNvPr>
+          <p:cNvSpPr>
+            <a:spLocks noGrp="1"/>
+          </p:cNvSpPr>
+          <p:nvPr>
+            <p:ph type="title"/>
+          </p:nvPr>
+        </p:nvSpPr>
+        <p:spPr/>
+        <p:txBody>
+          <a:bodyPr/>
+          <a:lstStyle/>
+          <a:p>
+            <a:r>
+              <a:rPr lang="en-US" dirty="0"/>
+              <a:t>Final Conclusions</a:t>
+            </a:r>
+          </a:p>
+        </p:txBody>
+      </p:sp>
+      <p:sp>
+        <p:nvSpPr>
+          <p:cNvPr id="3" name="TextBox 2">
+            <a:extLst>
+              <a:ext uri="{FF2B5EF4-FFF2-40B4-BE49-F238E27FC236}">
+                <a16:creationId xmlns:a16="http://schemas.microsoft.com/office/drawing/2014/main" id="{0785E90D-E0C2-4939-B1AF-CCE2A7613528}"/>
+              </a:ext>
+            </a:extLst>
+          </p:cNvPr>
+          <p:cNvSpPr txBox="1"/>
+          <p:nvPr/>
+        </p:nvSpPr>
+        <p:spPr>
+          <a:xfrm>
+            <a:off x="1028700" y="1828800"/>
+            <a:ext cx="10515600" cy="2031325"/>
+          </a:xfrm>
+          <a:prstGeom prst="rect">
+            <a:avLst/>
+          </a:prstGeom>
+          <a:noFill/>
+        </p:spPr>
+        <p:txBody>
+          <a:bodyPr wrap="square" rtlCol="0">
+            <a:spAutoFit/>
+          </a:bodyPr>
+          <a:lstStyle/>
+          <a:p>
+            <a:pPr marL="285750" indent="-285750">
+              <a:buFont typeface="Arial" panose="020B0604020202020204" pitchFamily="34" charset="0"/>
+              <a:buChar char="•"/>
+            </a:pPr>
+            <a:r>
+              <a:rPr lang="en-US" dirty="0"/>
+              <a:t>Support vector machines only had an accuracy of 62 percent, this may be due to the dimensionality reduction incorporated.</a:t>
+            </a:r>
+          </a:p>
+          <a:p>
+            <a:pPr marL="285750" indent="-285750">
+              <a:buFont typeface="Arial" panose="020B0604020202020204" pitchFamily="34" charset="0"/>
+              <a:buChar char="•"/>
+            </a:pPr>
+            <a:r>
+              <a:rPr lang="en-US" dirty="0"/>
+              <a:t>Stochastic Gradient Descent performed at 92 percent.</a:t>
+            </a:r>
+          </a:p>
+          <a:p>
+            <a:pPr marL="285750" indent="-285750">
+              <a:buFont typeface="Arial" panose="020B0604020202020204" pitchFamily="34" charset="0"/>
+              <a:buChar char="•"/>
+            </a:pPr>
+            <a:r>
+              <a:rPr lang="en-US" dirty="0"/>
+              <a:t>Random Forest performed at 97 percent. As an Ensemble method it normally outperforms many classifiers. </a:t>
+            </a:r>
+          </a:p>
+          <a:p>
+            <a:pPr marL="285750" indent="-285750">
+              <a:buFont typeface="Arial" panose="020B0604020202020204" pitchFamily="34" charset="0"/>
+              <a:buChar char="•"/>
+            </a:pPr>
+            <a:r>
+              <a:rPr lang="en-US" dirty="0"/>
+              <a:t>Cross-validation for the random forest classifier was successful at 95 to 97 percent. </a:t>
+            </a:r>
+          </a:p>
+          <a:p>
+            <a:endParaRPr lang="en-US" dirty="0"/>
+          </a:p>
+          <a:p>
+            <a:pPr marL="742950" lvl="1" indent="-285750">
+              <a:buFont typeface="Arial" panose="020B0604020202020204" pitchFamily="34" charset="0"/>
+              <a:buChar char="•"/>
+            </a:pPr>
+            <a:endParaRPr lang="en-US" dirty="0"/>
+          </a:p>
+        </p:txBody>
+      </p:sp>
+    </p:spTree>
+    <p:extLst>
+      <p:ext uri="{BB962C8B-B14F-4D97-AF65-F5344CB8AC3E}">
+        <p14:creationId xmlns:p14="http://schemas.microsoft.com/office/powerpoint/2010/main" val="1404963359"/>
+      </p:ext>
+    </p:extLst>
+  </p:cSld>
+  <p:clrMapOvr>
+    <a:masterClrMapping/>
+  </p:clrMapOvr>
+</p:sld>
+</file>
+
+<file path=ppt/slides/slide13.xml><?xml version="1.0" encoding="utf-8"?>
+<p:sld xmlns:a="http://schemas.openxmlformats.org/drawingml/2006/main" xmlns:r="http://schemas.openxmlformats.org/officeDocument/2006/relationships" xmlns:p="http://schemas.openxmlformats.org/presentationml/2006/main">
+  <p:cSld>
+    <p:spTree>
+      <p:nvGrpSpPr>
+        <p:cNvPr id="1" name=""/>
+        <p:cNvGrpSpPr/>
+        <p:nvPr/>
+      </p:nvGrpSpPr>
+      <p:grpSpPr>
+        <a:xfrm>
+          <a:off x="0" y="0"/>
+          <a:ext cx="0" cy="0"/>
+          <a:chOff x="0" y="0"/>
+          <a:chExt cx="0" cy="0"/>
+        </a:xfrm>
+      </p:grpSpPr>
+      <p:sp>
+        <p:nvSpPr>
+          <p:cNvPr id="2" name="Title 1">
+            <a:extLst>
+              <a:ext uri="{FF2B5EF4-FFF2-40B4-BE49-F238E27FC236}">
                 <a16:creationId xmlns:a16="http://schemas.microsoft.com/office/drawing/2014/main" id="{33BF0F92-C990-42F6-9D60-2E2D50D1D62D}"/>
               </a:ext>
             </a:extLst>
@@ -3903,87 +4073,161 @@
       </p:grpSpPr>
       <p:sp>
         <p:nvSpPr>
-          <p:cNvPr id="4" name="Title 3">
-            <a:extLst>
-              <a:ext uri="{FF2B5EF4-FFF2-40B4-BE49-F238E27FC236}">
-                <a16:creationId xmlns:a16="http://schemas.microsoft.com/office/drawing/2014/main" id="{B6C09989-8EDE-4D62-B33B-F3FF77747884}"/>
-              </a:ext>
-            </a:extLst>
-          </p:cNvPr>
-          <p:cNvSpPr>
-            <a:spLocks noGrp="1"/>
-          </p:cNvSpPr>
-          <p:nvPr>
-            <p:ph type="title"/>
-          </p:nvPr>
-        </p:nvSpPr>
-        <p:spPr/>
-        <p:txBody>
-          <a:bodyPr/>
-          <a:lstStyle/>
-          <a:p>
-            <a:endParaRPr lang="en-US"/>
+          <p:cNvPr id="9" name="TextBox 8">
+            <a:extLst>
+              <a:ext uri="{FF2B5EF4-FFF2-40B4-BE49-F238E27FC236}">
+                <a16:creationId xmlns:a16="http://schemas.microsoft.com/office/drawing/2014/main" id="{8873AC92-8217-4078-BBBA-2ED3B232E09A}"/>
+              </a:ext>
+            </a:extLst>
+          </p:cNvPr>
+          <p:cNvSpPr txBox="1"/>
+          <p:nvPr/>
+        </p:nvSpPr>
+        <p:spPr>
+          <a:xfrm>
+            <a:off x="1040236" y="289679"/>
+            <a:ext cx="9865452" cy="3139321"/>
+          </a:xfrm>
+          <a:prstGeom prst="rect">
+            <a:avLst/>
+          </a:prstGeom>
+          <a:noFill/>
+        </p:spPr>
+        <p:txBody>
+          <a:bodyPr wrap="square" rtlCol="0">
+            <a:spAutoFit/>
+          </a:bodyPr>
+          <a:lstStyle/>
+          <a:p>
+            <a:r>
+              <a:rPr lang="en-US" dirty="0"/>
+              <a:t>About This Dataset and the Assumptions made:</a:t>
+            </a:r>
+          </a:p>
+          <a:p>
+            <a:pPr marL="285750" indent="-285750">
+              <a:buFont typeface="Arial" panose="020B0604020202020204" pitchFamily="34" charset="0"/>
+              <a:buChar char="•"/>
+            </a:pPr>
+            <a:r>
+              <a:rPr lang="en-US" dirty="0"/>
+              <a:t>There are 600 samples of quality control chart data, with 6 labels</a:t>
+            </a:r>
+          </a:p>
+          <a:p>
+            <a:pPr marL="285750" indent="-285750">
+              <a:buFont typeface="Arial" panose="020B0604020202020204" pitchFamily="34" charset="0"/>
+              <a:buChar char="•"/>
+            </a:pPr>
+            <a:r>
+              <a:rPr lang="en-US" dirty="0"/>
+              <a:t>The data is configured such that row:</a:t>
+            </a:r>
+          </a:p>
+          <a:p>
+            <a:pPr marL="742950" lvl="1" indent="-285750">
+              <a:buFont typeface="Arial" panose="020B0604020202020204" pitchFamily="34" charset="0"/>
+              <a:buChar char="•"/>
+            </a:pPr>
+            <a:r>
+              <a:rPr lang="en-US" dirty="0"/>
+              <a:t>1-100 Normal </a:t>
+            </a:r>
+            <a:br>
+              <a:rPr lang="en-US" dirty="0"/>
+            </a:br>
+            <a:r>
+              <a:rPr lang="en-US" dirty="0"/>
+              <a:t>101-200 Cyclic </a:t>
+            </a:r>
+            <a:br>
+              <a:rPr lang="en-US" dirty="0"/>
+            </a:br>
+            <a:r>
+              <a:rPr lang="en-US" dirty="0"/>
+              <a:t>201-300 Increasing trend </a:t>
+            </a:r>
+            <a:br>
+              <a:rPr lang="en-US" dirty="0"/>
+            </a:br>
+            <a:r>
+              <a:rPr lang="en-US" dirty="0"/>
+              <a:t>301-400 Decreasing trend </a:t>
+            </a:r>
+            <a:br>
+              <a:rPr lang="en-US" dirty="0"/>
+            </a:br>
+            <a:r>
+              <a:rPr lang="en-US" dirty="0"/>
+              <a:t>401-500 Upward shift </a:t>
+            </a:r>
+            <a:br>
+              <a:rPr lang="en-US" dirty="0"/>
+            </a:br>
+            <a:r>
+              <a:rPr lang="en-US" dirty="0"/>
+              <a:t>501-600 Downward shift 1-100 rows are Normal</a:t>
+            </a:r>
+          </a:p>
+          <a:p>
+            <a:pPr marL="285750" indent="-285750">
+              <a:buFont typeface="Arial" panose="020B0604020202020204" pitchFamily="34" charset="0"/>
+              <a:buChar char="•"/>
+            </a:pPr>
+            <a:r>
+              <a:rPr lang="en-US" dirty="0"/>
+              <a:t>Data Source:</a:t>
+            </a:r>
+          </a:p>
+          <a:p>
+            <a:pPr marL="285750" indent="-285750">
+              <a:buFont typeface="Arial" panose="020B0604020202020204" pitchFamily="34" charset="0"/>
+              <a:buChar char="•"/>
+            </a:pPr>
+            <a:r>
+              <a:rPr lang="en-US" dirty="0">
+                <a:hlinkClick r:id="rId2"/>
+              </a:rPr>
+              <a:t>https://archive.ics.uci.edu/ml/datasets/synthetic+control+chart+time+series</a:t>
+            </a:r>
+            <a:endParaRPr lang="en-US" dirty="0"/>
           </a:p>
         </p:txBody>
       </p:sp>
       <p:pic>
         <p:nvPicPr>
-          <p:cNvPr id="8" name="Content Placeholder 7">
-            <a:extLst>
-              <a:ext uri="{FF2B5EF4-FFF2-40B4-BE49-F238E27FC236}">
-                <a16:creationId xmlns:a16="http://schemas.microsoft.com/office/drawing/2014/main" id="{633631D3-B20E-482B-8F2E-F96E054D5AA0}"/>
+          <p:cNvPr id="3" name="Picture 2">
+            <a:extLst>
+              <a:ext uri="{FF2B5EF4-FFF2-40B4-BE49-F238E27FC236}">
+                <a16:creationId xmlns:a16="http://schemas.microsoft.com/office/drawing/2014/main" id="{3E8E008B-1A24-4C02-9C53-B8A2BF348CEC}"/>
               </a:ext>
             </a:extLst>
           </p:cNvPr>
           <p:cNvPicPr>
-            <a:picLocks noGrp="1" noChangeAspect="1"/>
+            <a:picLocks noChangeAspect="1"/>
           </p:cNvPicPr>
-          <p:nvPr>
-            <p:ph idx="1"/>
-          </p:nvPr>
+          <p:nvPr/>
         </p:nvPicPr>
         <p:blipFill>
-          <a:blip r:embed="rId2"/>
+          <a:blip r:embed="rId3"/>
           <a:stretch>
             <a:fillRect/>
           </a:stretch>
         </p:blipFill>
         <p:spPr>
           <a:xfrm>
-            <a:off x="5183188" y="1953702"/>
-            <a:ext cx="6172200" cy="2941070"/>
+            <a:off x="943060" y="3795535"/>
+            <a:ext cx="10059804" cy="2543530"/>
           </a:xfrm>
+          <a:prstGeom prst="rect">
+            <a:avLst/>
+          </a:prstGeom>
         </p:spPr>
       </p:pic>
-      <p:sp>
-        <p:nvSpPr>
-          <p:cNvPr id="6" name="Text Placeholder 5">
-            <a:extLst>
-              <a:ext uri="{FF2B5EF4-FFF2-40B4-BE49-F238E27FC236}">
-                <a16:creationId xmlns:a16="http://schemas.microsoft.com/office/drawing/2014/main" id="{0DCF34DE-64DD-40EC-A5A7-AC28C4EE97E9}"/>
-              </a:ext>
-            </a:extLst>
-          </p:cNvPr>
-          <p:cNvSpPr>
-            <a:spLocks noGrp="1"/>
-          </p:cNvSpPr>
-          <p:nvPr>
-            <p:ph type="body" sz="half" idx="2"/>
-          </p:nvPr>
-        </p:nvSpPr>
-        <p:spPr/>
-        <p:txBody>
-          <a:bodyPr/>
-          <a:lstStyle/>
-          <a:p>
-            <a:endParaRPr lang="en-US" dirty="0"/>
-          </a:p>
-        </p:txBody>
-      </p:sp>
     </p:spTree>
     <p:extLst>
       <p:ext uri="{BB962C8B-B14F-4D97-AF65-F5344CB8AC3E}">
-        <p14:creationId xmlns:p14="http://schemas.microsoft.com/office/powerpoint/2010/main" val="2394973277"/>
+        <p14:creationId xmlns:p14="http://schemas.microsoft.com/office/powerpoint/2010/main" val="1878204151"/>
       </p:ext>
     </p:extLst>
   </p:cSld>
@@ -4012,10 +4256,10 @@
       </p:grpSpPr>
       <p:sp>
         <p:nvSpPr>
-          <p:cNvPr id="2" name="Title 1">
-            <a:extLst>
-              <a:ext uri="{FF2B5EF4-FFF2-40B4-BE49-F238E27FC236}">
-                <a16:creationId xmlns:a16="http://schemas.microsoft.com/office/drawing/2014/main" id="{B36739DD-3CD6-4E4C-A227-DF3C15C592B5}"/>
+          <p:cNvPr id="4" name="Title 3">
+            <a:extLst>
+              <a:ext uri="{FF2B5EF4-FFF2-40B4-BE49-F238E27FC236}">
+                <a16:creationId xmlns:a16="http://schemas.microsoft.com/office/drawing/2014/main" id="{B6C09989-8EDE-4D62-B33B-F3FF77747884}"/>
               </a:ext>
             </a:extLst>
           </p:cNvPr>
@@ -4033,17 +4277,17 @@
           <a:p>
             <a:r>
               <a:rPr lang="en-US" dirty="0"/>
-              <a:t>Normalizing the data and reducing dimensions </a:t>
+              <a:t>Initialization</a:t>
             </a:r>
           </a:p>
         </p:txBody>
       </p:sp>
       <p:pic>
         <p:nvPicPr>
-          <p:cNvPr id="6" name="Content Placeholder 5">
-            <a:extLst>
-              <a:ext uri="{FF2B5EF4-FFF2-40B4-BE49-F238E27FC236}">
-                <a16:creationId xmlns:a16="http://schemas.microsoft.com/office/drawing/2014/main" id="{7334744A-EDE4-4953-951D-1119311EC6CE}"/>
+          <p:cNvPr id="8" name="Content Placeholder 7">
+            <a:extLst>
+              <a:ext uri="{FF2B5EF4-FFF2-40B4-BE49-F238E27FC236}">
+                <a16:creationId xmlns:a16="http://schemas.microsoft.com/office/drawing/2014/main" id="{633631D3-B20E-482B-8F2E-F96E054D5AA0}"/>
               </a:ext>
             </a:extLst>
           </p:cNvPr>
@@ -4062,17 +4306,17 @@
         </p:blipFill>
         <p:spPr>
           <a:xfrm>
-            <a:off x="6068706" y="995023"/>
-            <a:ext cx="4401164" cy="4858428"/>
+            <a:off x="4940300" y="1596659"/>
+            <a:ext cx="6921500" cy="3298114"/>
           </a:xfrm>
         </p:spPr>
       </p:pic>
       <p:sp>
         <p:nvSpPr>
-          <p:cNvPr id="4" name="Text Placeholder 3">
-            <a:extLst>
-              <a:ext uri="{FF2B5EF4-FFF2-40B4-BE49-F238E27FC236}">
-                <a16:creationId xmlns:a16="http://schemas.microsoft.com/office/drawing/2014/main" id="{CE204955-B70B-4E30-81F9-D520EB21BA46}"/>
+          <p:cNvPr id="6" name="Text Placeholder 5">
+            <a:extLst>
+              <a:ext uri="{FF2B5EF4-FFF2-40B4-BE49-F238E27FC236}">
+                <a16:creationId xmlns:a16="http://schemas.microsoft.com/office/drawing/2014/main" id="{0DCF34DE-64DD-40EC-A5A7-AC28C4EE97E9}"/>
               </a:ext>
             </a:extLst>
           </p:cNvPr>
@@ -4088,14 +4332,17 @@
           <a:bodyPr/>
           <a:lstStyle/>
           <a:p>
-            <a:endParaRPr lang="en-US" dirty="0"/>
+            <a:r>
+              <a:rPr lang="en-US" dirty="0"/>
+              <a:t>Libraries and data insertion</a:t>
+            </a:r>
           </a:p>
         </p:txBody>
       </p:sp>
     </p:spTree>
     <p:extLst>
       <p:ext uri="{BB962C8B-B14F-4D97-AF65-F5344CB8AC3E}">
-        <p14:creationId xmlns:p14="http://schemas.microsoft.com/office/powerpoint/2010/main" val="4198063777"/>
+        <p14:creationId xmlns:p14="http://schemas.microsoft.com/office/powerpoint/2010/main" val="2394973277"/>
       </p:ext>
     </p:extLst>
   </p:cSld>
@@ -4127,7 +4374,7 @@
           <p:cNvPr id="2" name="Title 1">
             <a:extLst>
               <a:ext uri="{FF2B5EF4-FFF2-40B4-BE49-F238E27FC236}">
-                <a16:creationId xmlns:a16="http://schemas.microsoft.com/office/drawing/2014/main" id="{83DDF5C5-F46C-46B0-BF1A-BC7AC4462183}"/>
+                <a16:creationId xmlns:a16="http://schemas.microsoft.com/office/drawing/2014/main" id="{B36739DD-3CD6-4E4C-A227-DF3C15C592B5}"/>
               </a:ext>
             </a:extLst>
           </p:cNvPr>
@@ -4145,7 +4392,7 @@
           <a:p>
             <a:r>
               <a:rPr lang="en-US" dirty="0"/>
-              <a:t>Generating labels</a:t>
+              <a:t>Normalizing the data and reducing dimensions </a:t>
             </a:r>
           </a:p>
         </p:txBody>
@@ -4155,7 +4402,7 @@
           <p:cNvPr id="6" name="Content Placeholder 5">
             <a:extLst>
               <a:ext uri="{FF2B5EF4-FFF2-40B4-BE49-F238E27FC236}">
-                <a16:creationId xmlns:a16="http://schemas.microsoft.com/office/drawing/2014/main" id="{304D591A-DD4F-4D42-ADEC-79A7881009E3}"/>
+                <a16:creationId xmlns:a16="http://schemas.microsoft.com/office/drawing/2014/main" id="{7334744A-EDE4-4953-951D-1119311EC6CE}"/>
               </a:ext>
             </a:extLst>
           </p:cNvPr>
@@ -4174,8 +4421,8 @@
         </p:blipFill>
         <p:spPr>
           <a:xfrm>
-            <a:off x="5183188" y="1057133"/>
-            <a:ext cx="6172200" cy="4734208"/>
+            <a:off x="6068706" y="995023"/>
+            <a:ext cx="4401164" cy="4858428"/>
           </a:xfrm>
         </p:spPr>
       </p:pic>
@@ -4184,7 +4431,7 @@
           <p:cNvPr id="4" name="Text Placeholder 3">
             <a:extLst>
               <a:ext uri="{FF2B5EF4-FFF2-40B4-BE49-F238E27FC236}">
-                <a16:creationId xmlns:a16="http://schemas.microsoft.com/office/drawing/2014/main" id="{5BB6520A-179F-4947-8B9B-D7FFB9E8CC12}"/>
+                <a16:creationId xmlns:a16="http://schemas.microsoft.com/office/drawing/2014/main" id="{CE204955-B70B-4E30-81F9-D520EB21BA46}"/>
               </a:ext>
             </a:extLst>
           </p:cNvPr>
@@ -4200,14 +4447,17 @@
           <a:bodyPr/>
           <a:lstStyle/>
           <a:p>
-            <a:endParaRPr lang="en-US"/>
+            <a:r>
+              <a:rPr lang="en-US" dirty="0"/>
+              <a:t>Dimensions are reduced so we can see the clustering graphically</a:t>
+            </a:r>
           </a:p>
         </p:txBody>
       </p:sp>
     </p:spTree>
     <p:extLst>
       <p:ext uri="{BB962C8B-B14F-4D97-AF65-F5344CB8AC3E}">
-        <p14:creationId xmlns:p14="http://schemas.microsoft.com/office/powerpoint/2010/main" val="2184521012"/>
+        <p14:creationId xmlns:p14="http://schemas.microsoft.com/office/powerpoint/2010/main" val="4198063777"/>
       </p:ext>
     </p:extLst>
   </p:cSld>
@@ -4239,7 +4489,7 @@
           <p:cNvPr id="2" name="Title 1">
             <a:extLst>
               <a:ext uri="{FF2B5EF4-FFF2-40B4-BE49-F238E27FC236}">
-                <a16:creationId xmlns:a16="http://schemas.microsoft.com/office/drawing/2014/main" id="{46E136AD-7A74-40EB-8130-549C590B1DC8}"/>
+                <a16:creationId xmlns:a16="http://schemas.microsoft.com/office/drawing/2014/main" id="{83DDF5C5-F46C-46B0-BF1A-BC7AC4462183}"/>
               </a:ext>
             </a:extLst>
           </p:cNvPr>
@@ -4255,7 +4505,10 @@
           <a:bodyPr/>
           <a:lstStyle/>
           <a:p>
-            <a:endParaRPr lang="en-US"/>
+            <a:r>
+              <a:rPr lang="en-US" dirty="0"/>
+              <a:t>Generating labels</a:t>
+            </a:r>
           </a:p>
         </p:txBody>
       </p:sp>
@@ -4264,7 +4517,7 @@
           <p:cNvPr id="6" name="Content Placeholder 5">
             <a:extLst>
               <a:ext uri="{FF2B5EF4-FFF2-40B4-BE49-F238E27FC236}">
-                <a16:creationId xmlns:a16="http://schemas.microsoft.com/office/drawing/2014/main" id="{3A550669-8B64-4CE8-9CDE-90F3A4384B45}"/>
+                <a16:creationId xmlns:a16="http://schemas.microsoft.com/office/drawing/2014/main" id="{304D591A-DD4F-4D42-ADEC-79A7881009E3}"/>
               </a:ext>
             </a:extLst>
           </p:cNvPr>
@@ -4283,8 +4536,8 @@
         </p:blipFill>
         <p:spPr>
           <a:xfrm>
-            <a:off x="5183188" y="1521847"/>
-            <a:ext cx="6172200" cy="3804780"/>
+            <a:off x="5183188" y="1057133"/>
+            <a:ext cx="6172200" cy="4734208"/>
           </a:xfrm>
         </p:spPr>
       </p:pic>
@@ -4293,7 +4546,7 @@
           <p:cNvPr id="4" name="Text Placeholder 3">
             <a:extLst>
               <a:ext uri="{FF2B5EF4-FFF2-40B4-BE49-F238E27FC236}">
-                <a16:creationId xmlns:a16="http://schemas.microsoft.com/office/drawing/2014/main" id="{D8941461-4E25-409C-8E0C-06D381ECD762}"/>
+                <a16:creationId xmlns:a16="http://schemas.microsoft.com/office/drawing/2014/main" id="{5BB6520A-179F-4947-8B9B-D7FFB9E8CC12}"/>
               </a:ext>
             </a:extLst>
           </p:cNvPr>
@@ -4309,14 +4562,17 @@
           <a:bodyPr/>
           <a:lstStyle/>
           <a:p>
-            <a:endParaRPr lang="en-US"/>
+            <a:r>
+              <a:rPr lang="en-US" dirty="0"/>
+              <a:t>The labels are 1-6 </a:t>
+            </a:r>
           </a:p>
         </p:txBody>
       </p:sp>
     </p:spTree>
     <p:extLst>
       <p:ext uri="{BB962C8B-B14F-4D97-AF65-F5344CB8AC3E}">
-        <p14:creationId xmlns:p14="http://schemas.microsoft.com/office/powerpoint/2010/main" val="316960773"/>
+        <p14:creationId xmlns:p14="http://schemas.microsoft.com/office/powerpoint/2010/main" val="2184521012"/>
       </p:ext>
     </p:extLst>
   </p:cSld>
@@ -4348,7 +4604,7 @@
           <p:cNvPr id="2" name="Title 1">
             <a:extLst>
               <a:ext uri="{FF2B5EF4-FFF2-40B4-BE49-F238E27FC236}">
-                <a16:creationId xmlns:a16="http://schemas.microsoft.com/office/drawing/2014/main" id="{A1DE4DFB-000D-4400-A68B-B873AA434276}"/>
+                <a16:creationId xmlns:a16="http://schemas.microsoft.com/office/drawing/2014/main" id="{46E136AD-7A74-40EB-8130-549C590B1DC8}"/>
               </a:ext>
             </a:extLst>
           </p:cNvPr>
@@ -4366,7 +4622,7 @@
           <a:p>
             <a:r>
               <a:rPr lang="en-US" dirty="0"/>
-              <a:t>Graphing of clusters</a:t>
+              <a:t>Support Vector Machine Classifier</a:t>
             </a:r>
           </a:p>
         </p:txBody>
@@ -4376,7 +4632,7 @@
           <p:cNvPr id="6" name="Content Placeholder 5">
             <a:extLst>
               <a:ext uri="{FF2B5EF4-FFF2-40B4-BE49-F238E27FC236}">
-                <a16:creationId xmlns:a16="http://schemas.microsoft.com/office/drawing/2014/main" id="{7585E153-4D1D-45D6-B0CC-8CF27A5474C7}"/>
+                <a16:creationId xmlns:a16="http://schemas.microsoft.com/office/drawing/2014/main" id="{3A550669-8B64-4CE8-9CDE-90F3A4384B45}"/>
               </a:ext>
             </a:extLst>
           </p:cNvPr>
@@ -4395,8 +4651,8 @@
         </p:blipFill>
         <p:spPr>
           <a:xfrm>
-            <a:off x="5183188" y="1132644"/>
-            <a:ext cx="6172200" cy="4583186"/>
+            <a:off x="5183188" y="1521847"/>
+            <a:ext cx="6172200" cy="3804780"/>
           </a:xfrm>
         </p:spPr>
       </p:pic>
@@ -4405,7 +4661,7 @@
           <p:cNvPr id="4" name="Text Placeholder 3">
             <a:extLst>
               <a:ext uri="{FF2B5EF4-FFF2-40B4-BE49-F238E27FC236}">
-                <a16:creationId xmlns:a16="http://schemas.microsoft.com/office/drawing/2014/main" id="{2EFEED4D-B261-46EF-BE57-1C5BCD47F192}"/>
+                <a16:creationId xmlns:a16="http://schemas.microsoft.com/office/drawing/2014/main" id="{D8941461-4E25-409C-8E0C-06D381ECD762}"/>
               </a:ext>
             </a:extLst>
           </p:cNvPr>
@@ -4423,15 +4679,7 @@
           <a:p>
             <a:r>
               <a:rPr lang="en-US" dirty="0"/>
-              <a:t>Using reduced </a:t>
-            </a:r>
-            <a:r>
-              <a:rPr lang="en-US" dirty="0" err="1"/>
-              <a:t>dimesionality</a:t>
-            </a:r>
-            <a:r>
-              <a:rPr lang="en-US" dirty="0"/>
-              <a:t> to graph the clusters. There is confusion </a:t>
+              <a:t>The SVM performs at 62 percent accuracy. Not too well for a classifier</a:t>
             </a:r>
           </a:p>
         </p:txBody>
@@ -4439,7 +4687,7 @@
     </p:spTree>
     <p:extLst>
       <p:ext uri="{BB962C8B-B14F-4D97-AF65-F5344CB8AC3E}">
-        <p14:creationId xmlns:p14="http://schemas.microsoft.com/office/powerpoint/2010/main" val="505727305"/>
+        <p14:creationId xmlns:p14="http://schemas.microsoft.com/office/powerpoint/2010/main" val="316960773"/>
       </p:ext>
     </p:extLst>
   </p:cSld>
@@ -4471,7 +4719,7 @@
           <p:cNvPr id="2" name="Title 1">
             <a:extLst>
               <a:ext uri="{FF2B5EF4-FFF2-40B4-BE49-F238E27FC236}">
-                <a16:creationId xmlns:a16="http://schemas.microsoft.com/office/drawing/2014/main" id="{34AA31AE-A926-48BE-9EFB-2F074D89C67D}"/>
+                <a16:creationId xmlns:a16="http://schemas.microsoft.com/office/drawing/2014/main" id="{A1DE4DFB-000D-4400-A68B-B873AA434276}"/>
               </a:ext>
             </a:extLst>
           </p:cNvPr>
@@ -4487,7 +4735,10 @@
           <a:bodyPr/>
           <a:lstStyle/>
           <a:p>
-            <a:endParaRPr lang="en-US"/>
+            <a:r>
+              <a:rPr lang="en-US" dirty="0"/>
+              <a:t>Graphing of clusters</a:t>
+            </a:r>
           </a:p>
         </p:txBody>
       </p:sp>
@@ -4496,7 +4747,7 @@
           <p:cNvPr id="6" name="Content Placeholder 5">
             <a:extLst>
               <a:ext uri="{FF2B5EF4-FFF2-40B4-BE49-F238E27FC236}">
-                <a16:creationId xmlns:a16="http://schemas.microsoft.com/office/drawing/2014/main" id="{B455BE8F-F1CD-4F19-8363-F7A7B6C9B2B3}"/>
+                <a16:creationId xmlns:a16="http://schemas.microsoft.com/office/drawing/2014/main" id="{7585E153-4D1D-45D6-B0CC-8CF27A5474C7}"/>
               </a:ext>
             </a:extLst>
           </p:cNvPr>
@@ -4515,8 +4766,8 @@
         </p:blipFill>
         <p:spPr>
           <a:xfrm>
-            <a:off x="5427933" y="987425"/>
-            <a:ext cx="5682710" cy="4873625"/>
+            <a:off x="5183188" y="1132644"/>
+            <a:ext cx="6172200" cy="4583186"/>
           </a:xfrm>
         </p:spPr>
       </p:pic>
@@ -4525,7 +4776,7 @@
           <p:cNvPr id="4" name="Text Placeholder 3">
             <a:extLst>
               <a:ext uri="{FF2B5EF4-FFF2-40B4-BE49-F238E27FC236}">
-                <a16:creationId xmlns:a16="http://schemas.microsoft.com/office/drawing/2014/main" id="{F40393FC-3597-4AD9-B4D1-978D15273458}"/>
+                <a16:creationId xmlns:a16="http://schemas.microsoft.com/office/drawing/2014/main" id="{2EFEED4D-B261-46EF-BE57-1C5BCD47F192}"/>
               </a:ext>
             </a:extLst>
           </p:cNvPr>
@@ -4541,14 +4792,17 @@
           <a:bodyPr/>
           <a:lstStyle/>
           <a:p>
-            <a:endParaRPr lang="en-US"/>
+            <a:r>
+              <a:rPr lang="en-US" dirty="0"/>
+              <a:t>Using reduced dimensionality to graph the clusters. There is confusion between some of the clusters, as shown with the overlap below. This explains the 62 percent accuracy. </a:t>
+            </a:r>
           </a:p>
         </p:txBody>
       </p:sp>
     </p:spTree>
     <p:extLst>
       <p:ext uri="{BB962C8B-B14F-4D97-AF65-F5344CB8AC3E}">
-        <p14:creationId xmlns:p14="http://schemas.microsoft.com/office/powerpoint/2010/main" val="1856045972"/>
+        <p14:creationId xmlns:p14="http://schemas.microsoft.com/office/powerpoint/2010/main" val="505727305"/>
       </p:ext>
     </p:extLst>
   </p:cSld>
@@ -4580,7 +4834,7 @@
           <p:cNvPr id="2" name="Title 1">
             <a:extLst>
               <a:ext uri="{FF2B5EF4-FFF2-40B4-BE49-F238E27FC236}">
-                <a16:creationId xmlns:a16="http://schemas.microsoft.com/office/drawing/2014/main" id="{CFF4035B-A0F1-42A1-AEAF-66F32D623E6C}"/>
+                <a16:creationId xmlns:a16="http://schemas.microsoft.com/office/drawing/2014/main" id="{34AA31AE-A926-48BE-9EFB-2F074D89C67D}"/>
               </a:ext>
             </a:extLst>
           </p:cNvPr>
@@ -4596,7 +4850,10 @@
           <a:bodyPr/>
           <a:lstStyle/>
           <a:p>
-            <a:endParaRPr lang="en-US"/>
+            <a:r>
+              <a:rPr lang="en-US" dirty="0"/>
+              <a:t>STG Classification</a:t>
+            </a:r>
           </a:p>
         </p:txBody>
       </p:sp>
@@ -4605,7 +4862,7 @@
           <p:cNvPr id="6" name="Content Placeholder 5">
             <a:extLst>
               <a:ext uri="{FF2B5EF4-FFF2-40B4-BE49-F238E27FC236}">
-                <a16:creationId xmlns:a16="http://schemas.microsoft.com/office/drawing/2014/main" id="{79242D2C-8A40-4FCE-856B-03E22A38DB56}"/>
+                <a16:creationId xmlns:a16="http://schemas.microsoft.com/office/drawing/2014/main" id="{B455BE8F-F1CD-4F19-8363-F7A7B6C9B2B3}"/>
               </a:ext>
             </a:extLst>
           </p:cNvPr>
@@ -4624,8 +4881,8 @@
         </p:blipFill>
         <p:spPr>
           <a:xfrm>
-            <a:off x="5317848" y="987425"/>
-            <a:ext cx="5902879" cy="4873625"/>
+            <a:off x="5427933" y="987425"/>
+            <a:ext cx="5682710" cy="4873625"/>
           </a:xfrm>
         </p:spPr>
       </p:pic>
@@ -4634,7 +4891,7 @@
           <p:cNvPr id="4" name="Text Placeholder 3">
             <a:extLst>
               <a:ext uri="{FF2B5EF4-FFF2-40B4-BE49-F238E27FC236}">
-                <a16:creationId xmlns:a16="http://schemas.microsoft.com/office/drawing/2014/main" id="{7482DA36-260F-40A9-A0B8-493935D63CD6}"/>
+                <a16:creationId xmlns:a16="http://schemas.microsoft.com/office/drawing/2014/main" id="{F40393FC-3597-4AD9-B4D1-978D15273458}"/>
               </a:ext>
             </a:extLst>
           </p:cNvPr>
@@ -4650,14 +4907,23 @@
           <a:bodyPr/>
           <a:lstStyle/>
           <a:p>
-            <a:endParaRPr lang="en-US"/>
+            <a:r>
+              <a:rPr lang="en-US" dirty="0"/>
+              <a:t>The Stochastic Gradient is a typically used as a step in classification to find a minimum/maximum as a part of Gradient Descent.</a:t>
+            </a:r>
+          </a:p>
+          <a:p>
+            <a:r>
+              <a:rPr lang="en-US" dirty="0"/>
+              <a:t> </a:t>
+            </a:r>
           </a:p>
         </p:txBody>
       </p:sp>
     </p:spTree>
     <p:extLst>
       <p:ext uri="{BB962C8B-B14F-4D97-AF65-F5344CB8AC3E}">
-        <p14:creationId xmlns:p14="http://schemas.microsoft.com/office/powerpoint/2010/main" val="331430051"/>
+        <p14:creationId xmlns:p14="http://schemas.microsoft.com/office/powerpoint/2010/main" val="1856045972"/>
       </p:ext>
     </p:extLst>
   </p:cSld>
@@ -4689,7 +4955,7 @@
           <p:cNvPr id="2" name="Title 1">
             <a:extLst>
               <a:ext uri="{FF2B5EF4-FFF2-40B4-BE49-F238E27FC236}">
-                <a16:creationId xmlns:a16="http://schemas.microsoft.com/office/drawing/2014/main" id="{4843BFBD-15A1-47EB-BC14-C85F5196BFED}"/>
+                <a16:creationId xmlns:a16="http://schemas.microsoft.com/office/drawing/2014/main" id="{CFF4035B-A0F1-42A1-AEAF-66F32D623E6C}"/>
               </a:ext>
             </a:extLst>
           </p:cNvPr>
@@ -4705,7 +4971,10 @@
           <a:bodyPr/>
           <a:lstStyle/>
           <a:p>
-            <a:endParaRPr lang="en-US"/>
+            <a:r>
+              <a:rPr lang="en-US" dirty="0"/>
+              <a:t>Standardization</a:t>
+            </a:r>
           </a:p>
         </p:txBody>
       </p:sp>
@@ -4714,7 +4983,7 @@
           <p:cNvPr id="6" name="Content Placeholder 5">
             <a:extLst>
               <a:ext uri="{FF2B5EF4-FFF2-40B4-BE49-F238E27FC236}">
-                <a16:creationId xmlns:a16="http://schemas.microsoft.com/office/drawing/2014/main" id="{87B9D169-C0B1-4E04-9543-3DB9D77E104C}"/>
+                <a16:creationId xmlns:a16="http://schemas.microsoft.com/office/drawing/2014/main" id="{79242D2C-8A40-4FCE-856B-03E22A38DB56}"/>
               </a:ext>
             </a:extLst>
           </p:cNvPr>
@@ -4733,8 +5002,8 @@
         </p:blipFill>
         <p:spPr>
           <a:xfrm>
-            <a:off x="5183188" y="1334328"/>
-            <a:ext cx="6172200" cy="4179819"/>
+            <a:off x="5317848" y="987425"/>
+            <a:ext cx="5902879" cy="4873625"/>
           </a:xfrm>
         </p:spPr>
       </p:pic>
@@ -4743,7 +5012,7 @@
           <p:cNvPr id="4" name="Text Placeholder 3">
             <a:extLst>
               <a:ext uri="{FF2B5EF4-FFF2-40B4-BE49-F238E27FC236}">
-                <a16:creationId xmlns:a16="http://schemas.microsoft.com/office/drawing/2014/main" id="{52B73454-5518-4952-B3A7-02262B1D621B}"/>
+                <a16:creationId xmlns:a16="http://schemas.microsoft.com/office/drawing/2014/main" id="{7482DA36-260F-40A9-A0B8-493935D63CD6}"/>
               </a:ext>
             </a:extLst>
           </p:cNvPr>
@@ -4759,14 +5028,17 @@
           <a:bodyPr/>
           <a:lstStyle/>
           <a:p>
-            <a:endParaRPr lang="en-US"/>
+            <a:r>
+              <a:rPr lang="en-US" dirty="0"/>
+              <a:t>Again, the data is standardized.</a:t>
+            </a:r>
           </a:p>
         </p:txBody>
       </p:sp>
     </p:spTree>
     <p:extLst>
       <p:ext uri="{BB962C8B-B14F-4D97-AF65-F5344CB8AC3E}">
-        <p14:creationId xmlns:p14="http://schemas.microsoft.com/office/powerpoint/2010/main" val="1880739861"/>
+        <p14:creationId xmlns:p14="http://schemas.microsoft.com/office/powerpoint/2010/main" val="331430051"/>
       </p:ext>
     </p:extLst>
   </p:cSld>
